--- a/Active/PI4VPO108-ASH VPS EXUS-BD/ASH 2014_OBrien Abs327_HT.pptx
+++ b/Active/PI4VPO108-ASH VPS EXUS-BD/ASH 2014_OBrien Abs327_HT.pptx
@@ -160,7 +160,7 @@
   </p:defaultTextStyle>
   <p:extLst>
     <p:ext uri="{EFAFB233-063F-42B5-8137-9DF3F51BA10A}">
-      <p15:sldGuideLst xmlns:p15="http://schemas.microsoft.com/office/powerpoint/2012/main" xmlns="">
+      <p15:sldGuideLst xmlns="" xmlns:p15="http://schemas.microsoft.com/office/powerpoint/2012/main">
         <p15:guide id="1" orient="horz" pos="4269" userDrawn="1">
           <p15:clr>
             <a:srgbClr val="A4A3A4"/>
@@ -349,7 +349,7 @@
       </p15:sldGuideLst>
     </p:ext>
     <p:ext uri="{2D200454-40CA-4A62-9FC3-DE9A4176ACB9}">
-      <p15:notesGuideLst xmlns:p15="http://schemas.microsoft.com/office/powerpoint/2012/main" xmlns="">
+      <p15:notesGuideLst xmlns="" xmlns:p15="http://schemas.microsoft.com/office/powerpoint/2012/main">
         <p15:guide id="1" orient="horz" pos="2880">
           <p15:clr>
             <a:srgbClr val="A4A3A4"/>
@@ -1059,11 +1059,11 @@
         </c:dLbls>
         <c:gapWidth val="50"/>
         <c:overlap val="100"/>
-        <c:axId val="130768256"/>
-        <c:axId val="15746176"/>
+        <c:axId val="105889792"/>
+        <c:axId val="105891328"/>
       </c:barChart>
       <c:catAx>
-        <c:axId val="130768256"/>
+        <c:axId val="105889792"/>
         <c:scaling>
           <c:orientation val="minMax"/>
         </c:scaling>
@@ -1096,7 +1096,7 @@
             <a:endParaRPr lang="en-US"/>
           </a:p>
         </c:txPr>
-        <c:crossAx val="15746176"/>
+        <c:crossAx val="105891328"/>
         <c:crosses val="autoZero"/>
         <c:auto val="0"/>
         <c:lblAlgn val="ctr"/>
@@ -1105,7 +1105,7 @@
         <c:noMultiLvlLbl val="0"/>
       </c:catAx>
       <c:valAx>
-        <c:axId val="15746176"/>
+        <c:axId val="105891328"/>
         <c:scaling>
           <c:orientation val="minMax"/>
           <c:max val="100"/>
@@ -1139,7 +1139,7 @@
             <a:endParaRPr lang="en-US"/>
           </a:p>
         </c:txPr>
-        <c:crossAx val="130768256"/>
+        <c:crossAx val="105889792"/>
         <c:crosses val="autoZero"/>
         <c:crossBetween val="between"/>
         <c:majorUnit val="20"/>
@@ -2041,11 +2041,11 @@
         </c:dLbls>
         <c:gapWidth val="50"/>
         <c:overlap val="100"/>
-        <c:axId val="15805824"/>
-        <c:axId val="15807616"/>
+        <c:axId val="105912576"/>
+        <c:axId val="105943040"/>
       </c:barChart>
       <c:catAx>
-        <c:axId val="15805824"/>
+        <c:axId val="105912576"/>
         <c:scaling>
           <c:orientation val="minMax"/>
         </c:scaling>
@@ -2076,7 +2076,7 @@
             <a:endParaRPr lang="en-US"/>
           </a:p>
         </c:txPr>
-        <c:crossAx val="15807616"/>
+        <c:crossAx val="105943040"/>
         <c:crosses val="autoZero"/>
         <c:auto val="1"/>
         <c:lblAlgn val="ctr"/>
@@ -2084,7 +2084,7 @@
         <c:noMultiLvlLbl val="0"/>
       </c:catAx>
       <c:valAx>
-        <c:axId val="15807616"/>
+        <c:axId val="105943040"/>
         <c:scaling>
           <c:orientation val="minMax"/>
           <c:max val="100"/>
@@ -2118,7 +2118,7 @@
             <a:endParaRPr lang="en-US"/>
           </a:p>
         </c:txPr>
-        <c:crossAx val="15805824"/>
+        <c:crossAx val="105912576"/>
         <c:crosses val="autoZero"/>
         <c:crossBetween val="between"/>
         <c:majorUnit val="20"/>
@@ -2585,7 +2585,7 @@
             <a:fld id="{F1197C59-186B-49D3-8B9A-128914F4F9DD}" type="datetime8">
               <a:rPr lang="en-GB"/>
               <a:pPr/>
-              <a:t>11/12/2014 09:59</a:t>
+              <a:t>12/12/2014 13:37</a:t>
             </a:fld>
             <a:endParaRPr lang="en-US" dirty="0"/>
           </a:p>
@@ -2980,7 +2980,7 @@
             <a:fld id="{FED13BBB-D318-4230-A9E3-8C2A2E4F3973}" type="datetime8">
               <a:rPr lang="en-GB"/>
               <a:pPr/>
-              <a:t>11/12/2014 09:59</a:t>
+              <a:t>12/12/2014 13:37</a:t>
             </a:fld>
             <a:endParaRPr lang="en-GB" dirty="0"/>
           </a:p>
@@ -3354,7 +3354,7 @@
             <a:fld id="{FED13BBB-D318-4230-A9E3-8C2A2E4F3973}" type="datetime8">
               <a:rPr lang="en-GB" smtClean="0"/>
               <a:pPr/>
-              <a:t>11/12/2014 09:59</a:t>
+              <a:t>12/12/2014 13:37</a:t>
             </a:fld>
             <a:endParaRPr lang="en-GB" dirty="0"/>
           </a:p>
@@ -3473,7 +3473,7 @@
             <a:fld id="{FED13BBB-D318-4230-A9E3-8C2A2E4F3973}" type="datetime8">
               <a:rPr lang="en-GB" smtClean="0"/>
               <a:pPr/>
-              <a:t>11/12/2014 09:59</a:t>
+              <a:t>12/12/2014 13:37</a:t>
             </a:fld>
             <a:endParaRPr lang="en-GB" dirty="0"/>
           </a:p>
@@ -3577,7 +3577,7 @@
             <a:fld id="{FED13BBB-D318-4230-A9E3-8C2A2E4F3973}" type="datetime8">
               <a:rPr lang="en-GB" smtClean="0"/>
               <a:pPr/>
-              <a:t>11/12/2014 09:59</a:t>
+              <a:t>12/12/2014 13:37</a:t>
             </a:fld>
             <a:endParaRPr lang="en-GB" dirty="0"/>
           </a:p>
@@ -3710,7 +3710,7 @@
             <a:fld id="{FED13BBB-D318-4230-A9E3-8C2A2E4F3973}" type="datetime8">
               <a:rPr lang="en-GB" smtClean="0"/>
               <a:pPr/>
-              <a:t>11/12/2014 09:59</a:t>
+              <a:t>12/12/2014 13:37</a:t>
             </a:fld>
             <a:endParaRPr lang="en-GB" dirty="0"/>
           </a:p>
@@ -3819,7 +3819,7 @@
             <a:fld id="{FED13BBB-D318-4230-A9E3-8C2A2E4F3973}" type="datetime8">
               <a:rPr lang="en-GB" smtClean="0"/>
               <a:pPr/>
-              <a:t>11/12/2014 09:59</a:t>
+              <a:t>12/12/2014 13:37</a:t>
             </a:fld>
             <a:endParaRPr lang="en-GB" dirty="0"/>
           </a:p>
@@ -3945,7 +3945,7 @@
             <a:fld id="{FED13BBB-D318-4230-A9E3-8C2A2E4F3973}" type="datetime8">
               <a:rPr lang="en-GB" smtClean="0"/>
               <a:pPr/>
-              <a:t>11/12/2014 09:59</a:t>
+              <a:t>12/12/2014 13:37</a:t>
             </a:fld>
             <a:endParaRPr lang="en-GB" dirty="0"/>
           </a:p>
@@ -4390,7 +4390,7 @@
             <a:fld id="{FED13BBB-D318-4230-A9E3-8C2A2E4F3973}" type="datetime8">
               <a:rPr lang="en-GB" smtClean="0"/>
               <a:pPr/>
-              <a:t>11/12/2014 09:59</a:t>
+              <a:t>12/12/2014 13:37</a:t>
             </a:fld>
             <a:endParaRPr lang="en-GB" dirty="0"/>
           </a:p>
@@ -4544,7 +4544,7 @@
             <a:fld id="{FED13BBB-D318-4230-A9E3-8C2A2E4F3973}" type="datetime8">
               <a:rPr lang="en-GB" smtClean="0"/>
               <a:pPr/>
-              <a:t>11/12/2014 09:59</a:t>
+              <a:t>12/12/2014 13:37</a:t>
             </a:fld>
             <a:endParaRPr lang="en-GB" dirty="0"/>
           </a:p>
@@ -4653,7 +4653,7 @@
             <a:fld id="{FED13BBB-D318-4230-A9E3-8C2A2E4F3973}" type="datetime8">
               <a:rPr lang="en-GB" smtClean="0"/>
               <a:pPr/>
-              <a:t>11/12/2014 09:59</a:t>
+              <a:t>12/12/2014 13:37</a:t>
             </a:fld>
             <a:endParaRPr lang="en-GB" dirty="0"/>
           </a:p>
@@ -4907,7 +4907,7 @@
             <a:fld id="{FED13BBB-D318-4230-A9E3-8C2A2E4F3973}" type="datetime8">
               <a:rPr lang="en-GB" smtClean="0"/>
               <a:pPr/>
-              <a:t>11/12/2014 09:59</a:t>
+              <a:t>12/12/2014 13:37</a:t>
             </a:fld>
             <a:endParaRPr lang="en-GB" dirty="0"/>
           </a:p>
@@ -5053,7 +5053,7 @@
             <a:fld id="{FED13BBB-D318-4230-A9E3-8C2A2E4F3973}" type="datetime8">
               <a:rPr lang="en-GB" smtClean="0"/>
               <a:pPr/>
-              <a:t>11/12/2014 09:59</a:t>
+              <a:t>12/12/2014 13:37</a:t>
             </a:fld>
             <a:endParaRPr lang="en-GB" dirty="0"/>
           </a:p>
@@ -5162,7 +5162,7 @@
             <a:fld id="{FED13BBB-D318-4230-A9E3-8C2A2E4F3973}" type="datetime8">
               <a:rPr lang="en-GB" smtClean="0"/>
               <a:pPr/>
-              <a:t>11/12/2014 09:59</a:t>
+              <a:t>12/12/2014 13:37</a:t>
             </a:fld>
             <a:endParaRPr lang="en-GB" dirty="0"/>
           </a:p>
@@ -5271,7 +5271,7 @@
             <a:fld id="{FED13BBB-D318-4230-A9E3-8C2A2E4F3973}" type="datetime8">
               <a:rPr lang="en-GB" smtClean="0"/>
               <a:pPr/>
-              <a:t>11/12/2014 09:59</a:t>
+              <a:t>12/12/2014 13:37</a:t>
             </a:fld>
             <a:endParaRPr lang="en-GB" dirty="0"/>
           </a:p>
@@ -5397,7 +5397,7 @@
               <a:pPr>
                 <a:defRPr/>
               </a:pPr>
-              <a:t>11/12/2014 09:59</a:t>
+              <a:t>12/12/2014 13:37</a:t>
             </a:fld>
             <a:endParaRPr lang="en-GB" dirty="0" smtClean="0">
               <a:latin typeface="Arial" pitchFamily="34" charset="0"/>
@@ -5527,7 +5527,7 @@
             <a:fld id="{FED13BBB-D318-4230-A9E3-8C2A2E4F3973}" type="datetime8">
               <a:rPr lang="en-GB" smtClean="0"/>
               <a:pPr/>
-              <a:t>11/12/2014 09:59</a:t>
+              <a:t>12/12/2014 13:37</a:t>
             </a:fld>
             <a:endParaRPr lang="en-GB" dirty="0"/>
           </a:p>
@@ -7090,7 +7090,7 @@
               <a:pPr>
                 <a:defRPr/>
               </a:pPr>
-              <a:t>12/11/2014</a:t>
+              <a:t>12/12/2014</a:t>
             </a:fld>
             <a:endParaRPr lang="en-US" dirty="0"/>
           </a:p>
@@ -19339,8 +19339,8 @@
         </p:nvSpPr>
         <p:spPr>
           <a:xfrm>
-            <a:off x="301751" y="1484786"/>
-            <a:ext cx="8676193" cy="5162121"/>
+            <a:off x="301751" y="1484787"/>
+            <a:ext cx="8676193" cy="4700114"/>
           </a:xfrm>
         </p:spPr>
         <p:txBody>
@@ -19355,12 +19355,8 @@
               </a:lnSpc>
             </a:pPr>
             <a:r>
-              <a:rPr lang="en-US" dirty="0" smtClean="0">
-                <a:solidFill>
-                  <a:srgbClr val="000000"/>
-                </a:solidFill>
-              </a:rPr>
-              <a:t>Atrial fibrillation of any grade  (n=11; 8%)</a:t>
+              <a:rPr lang="en-US" sz="2000" dirty="0" smtClean="0"/>
+              <a:t>Atrial fibrillation of any grade  (n = 11; 8%)</a:t>
             </a:r>
           </a:p>
           <a:p>
@@ -19370,27 +19366,15 @@
               </a:lnSpc>
             </a:pPr>
             <a:r>
-              <a:rPr lang="en-US" dirty="0" smtClean="0">
-                <a:solidFill>
-                  <a:srgbClr val="000000"/>
-                </a:solidFill>
-              </a:rPr>
+              <a:rPr lang="en-US" sz="1800" dirty="0" smtClean="0"/>
               <a:t>Including </a:t>
             </a:r>
             <a:r>
-              <a:rPr lang="en-US" dirty="0">
-                <a:solidFill>
-                  <a:srgbClr val="000000"/>
-                </a:solidFill>
-              </a:rPr>
+              <a:rPr lang="en-US" sz="1800" dirty="0"/>
               <a:t>g</a:t>
             </a:r>
             <a:r>
-              <a:rPr lang="en-US" dirty="0" smtClean="0">
-                <a:solidFill>
-                  <a:srgbClr val="000000"/>
-                </a:solidFill>
-              </a:rPr>
+              <a:rPr lang="en-US" sz="1800" dirty="0" smtClean="0"/>
               <a:t>rade 3-4 in 3.5% of patients</a:t>
             </a:r>
           </a:p>
@@ -19401,11 +19385,7 @@
               </a:lnSpc>
             </a:pPr>
             <a:r>
-              <a:rPr lang="en-US" dirty="0" smtClean="0">
-                <a:solidFill>
-                  <a:srgbClr val="000000"/>
-                </a:solidFill>
-              </a:rPr>
+              <a:rPr lang="en-US" sz="1800" dirty="0" smtClean="0"/>
               <a:t>No treatment discontinuations; no grade 5 events</a:t>
             </a:r>
           </a:p>
@@ -19416,11 +19396,7 @@
               </a:lnSpc>
             </a:pPr>
             <a:r>
-              <a:rPr lang="en-US" dirty="0" smtClean="0">
-                <a:solidFill>
-                  <a:srgbClr val="000000"/>
-                </a:solidFill>
-              </a:rPr>
+              <a:rPr lang="en-US" sz="1800" dirty="0" smtClean="0"/>
               <a:t>5 patients had history of atrial fibrillation</a:t>
             </a:r>
           </a:p>
@@ -19431,12 +19407,8 @@
               </a:lnSpc>
             </a:pPr>
             <a:r>
-              <a:rPr lang="en-US" dirty="0" smtClean="0">
-                <a:solidFill>
-                  <a:srgbClr val="000000"/>
-                </a:solidFill>
-              </a:rPr>
-              <a:t>Major bleeding, all grade 2 or 3 (n=7; 5%)</a:t>
+              <a:rPr lang="en-US" sz="2000" dirty="0" smtClean="0"/>
+              <a:t>Major bleeding, all grade 2 or 3 (n = 7; 5%)</a:t>
             </a:r>
           </a:p>
           <a:p>
@@ -19446,58 +19418,30 @@
               </a:lnSpc>
             </a:pPr>
             <a:r>
-              <a:rPr lang="en-US" sz="1800" dirty="0" smtClean="0">
-                <a:solidFill>
-                  <a:srgbClr val="000000"/>
-                </a:solidFill>
-              </a:rPr>
+              <a:rPr lang="en-US" sz="1600" dirty="0" smtClean="0"/>
               <a:t>Intracranial </a:t>
             </a:r>
             <a:r>
-              <a:rPr lang="en-US" sz="1800" dirty="0">
-                <a:solidFill>
-                  <a:srgbClr val="000000"/>
-                </a:solidFill>
-              </a:rPr>
+              <a:rPr lang="en-US" sz="1600" dirty="0"/>
               <a:t>hemorrhage, spontaneous </a:t>
             </a:r>
             <a:r>
-              <a:rPr lang="en-US" sz="1800" dirty="0" smtClean="0">
-                <a:solidFill>
-                  <a:srgbClr val="000000"/>
-                </a:solidFill>
-              </a:rPr>
+              <a:rPr lang="en-US" sz="1600" dirty="0" smtClean="0"/>
               <a:t>hematoma*, </a:t>
             </a:r>
             <a:r>
-              <a:rPr lang="en-US" sz="1800" dirty="0">
-                <a:solidFill>
-                  <a:srgbClr val="000000"/>
-                </a:solidFill>
-              </a:rPr>
+              <a:rPr lang="en-US" sz="1600" dirty="0"/>
               <a:t>traumatic hematoma, gastric ulcer hemorrhage, hematuria, hemoptysis, intercostal artery </a:t>
             </a:r>
             <a:r>
-              <a:rPr lang="en-US" sz="1800" dirty="0" smtClean="0">
-                <a:solidFill>
-                  <a:srgbClr val="000000"/>
-                </a:solidFill>
-              </a:rPr>
+              <a:rPr lang="en-US" sz="1600" dirty="0" smtClean="0"/>
               <a:t>hemorrhage: </a:t>
             </a:r>
             <a:br>
-              <a:rPr lang="en-US" sz="1800" dirty="0" smtClean="0">
-                <a:solidFill>
-                  <a:srgbClr val="000000"/>
-                </a:solidFill>
-              </a:rPr>
+              <a:rPr lang="en-US" sz="1600" dirty="0" smtClean="0"/>
             </a:br>
             <a:r>
-              <a:rPr lang="en-US" sz="1800" dirty="0" smtClean="0">
-                <a:solidFill>
-                  <a:srgbClr val="000000"/>
-                </a:solidFill>
-              </a:rPr>
+              <a:rPr lang="en-US" sz="1600" dirty="0" smtClean="0"/>
               <a:t>1 patient each</a:t>
             </a:r>
           </a:p>
@@ -19508,9 +19452,9 @@
               </a:lnSpc>
             </a:pPr>
             <a:r>
-              <a:rPr lang="en-US" sz="1800" dirty="0" smtClean="0">
+              <a:rPr lang="en-US" sz="1600" dirty="0" smtClean="0">
                 <a:solidFill>
-                  <a:srgbClr val="000000"/>
+                  <a:schemeClr val="tx1"/>
                 </a:solidFill>
               </a:rPr>
               <a:t>Concomitant meds: anticoagulation (2 patients), aspirin (1 patient)</a:t>
@@ -19523,16 +19467,16 @@
               </a:lnSpc>
             </a:pPr>
             <a:r>
-              <a:rPr lang="en-US" sz="1800" dirty="0" smtClean="0">
+              <a:rPr lang="en-US" sz="1600" dirty="0" smtClean="0">
                 <a:solidFill>
-                  <a:srgbClr val="000000"/>
+                  <a:schemeClr val="tx1"/>
                 </a:solidFill>
               </a:rPr>
               <a:t>Factor XI deficiency in 1 patient*</a:t>
             </a:r>
-            <a:endParaRPr lang="en-US" dirty="0" smtClean="0">
+            <a:endParaRPr lang="en-US" sz="1800" dirty="0" smtClean="0">
               <a:solidFill>
-                <a:srgbClr val="000000"/>
+                <a:schemeClr val="tx1"/>
               </a:solidFill>
             </a:endParaRPr>
           </a:p>
@@ -19546,12 +19490,8 @@
               </a:spcAft>
             </a:pPr>
             <a:r>
-              <a:rPr lang="en-US" dirty="0" smtClean="0">
-                <a:solidFill>
-                  <a:srgbClr val="000000"/>
-                </a:solidFill>
-              </a:rPr>
-              <a:t>Tumor lysis syndrome (n=1; &lt;1%)</a:t>
+              <a:rPr lang="en-US" sz="2000" dirty="0" smtClean="0"/>
+              <a:t>Tumor lysis syndrome (n = 1; &lt;1%)</a:t>
             </a:r>
           </a:p>
           <a:p>
@@ -19561,18 +19501,14 @@
               </a:lnSpc>
             </a:pPr>
             <a:r>
-              <a:rPr lang="en-US" dirty="0" smtClean="0">
-                <a:solidFill>
-                  <a:srgbClr val="000000"/>
-                </a:solidFill>
-              </a:rPr>
-              <a:t>Non-serious event in the setting of PD on day 157, 1 day after discontinuation</a:t>
-            </a:r>
-            <a:endParaRPr lang="en-US" dirty="0">
-              <a:solidFill>
-                <a:srgbClr val="000000"/>
-              </a:solidFill>
-            </a:endParaRPr>
+              <a:rPr lang="en-US" sz="1800" dirty="0" err="1" smtClean="0"/>
+              <a:t>Nonserious</a:t>
+            </a:r>
+            <a:r>
+              <a:rPr lang="en-US" sz="1800" dirty="0" smtClean="0"/>
+              <a:t> event in the setting of PD on day 157, 1 day after discontinuation</a:t>
+            </a:r>
+            <a:endParaRPr lang="en-US" sz="1800" dirty="0"/>
           </a:p>
         </p:txBody>
       </p:sp>
@@ -19616,8 +19552,8 @@
         </p:nvSpPr>
         <p:spPr>
           <a:xfrm>
-            <a:off x="384048" y="81888"/>
-            <a:ext cx="8466038" cy="1143000"/>
+            <a:off x="0" y="158088"/>
+            <a:ext cx="9144000" cy="1143000"/>
           </a:xfrm>
         </p:spPr>
         <p:txBody>
@@ -19627,23 +19563,23 @@
           <a:lstStyle/>
           <a:p>
             <a:r>
-              <a:rPr lang="en-US" dirty="0" smtClean="0"/>
+              <a:rPr lang="en-US" sz="3200" dirty="0" smtClean="0"/>
               <a:t>Safety Overview </a:t>
             </a:r>
             <a:r>
-              <a:rPr lang="en-US" sz="3000" dirty="0" smtClean="0"/>
+              <a:rPr lang="en-US" sz="2800" dirty="0" smtClean="0"/>
               <a:t/>
             </a:r>
             <a:br>
-              <a:rPr lang="en-US" sz="3000" dirty="0" smtClean="0"/>
+              <a:rPr lang="en-US" sz="2800" dirty="0" smtClean="0"/>
             </a:br>
             <a:r>
-              <a:rPr lang="en-US" sz="3000" dirty="0" smtClean="0">
+              <a:rPr lang="en-US" sz="2800" dirty="0" smtClean="0">
                 <a:cs typeface="Arial"/>
               </a:rPr>
               <a:t>Atrial Fibrillation, Bleeding-Related Events and TLS</a:t>
             </a:r>
-            <a:endParaRPr lang="en-US" sz="3000" dirty="0"/>
+            <a:endParaRPr lang="en-US" sz="2800" dirty="0"/>
           </a:p>
         </p:txBody>
       </p:sp>
@@ -19655,8 +19591,8 @@
         </p:nvSpPr>
         <p:spPr>
           <a:xfrm>
-            <a:off x="285462" y="6408293"/>
-            <a:ext cx="7504683" cy="276999"/>
+            <a:off x="361662" y="6141593"/>
+            <a:ext cx="6713697" cy="246221"/>
           </a:xfrm>
           <a:prstGeom prst="rect">
             <a:avLst/>
@@ -19670,36 +19606,24 @@
           <a:lstStyle/>
           <a:p>
             <a:r>
-              <a:rPr lang="en-US" sz="1200" dirty="0" smtClean="0">
-                <a:solidFill>
-                  <a:srgbClr val="000000"/>
-                </a:solidFill>
+              <a:rPr lang="en-US" sz="1000" b="1" dirty="0" smtClean="0">
                 <a:latin typeface="Arial" panose="020B0604020202020204" pitchFamily="34" charset="0"/>
               </a:rPr>
               <a:t>*In a patient with a history of spontaneous hematoma; platelet count &lt;100 x 10</a:t>
             </a:r>
             <a:r>
-              <a:rPr lang="en-US" sz="1200" baseline="30000" dirty="0" smtClean="0">
-                <a:solidFill>
-                  <a:srgbClr val="000000"/>
-                </a:solidFill>
+              <a:rPr lang="en-US" sz="1000" b="1" baseline="30000" dirty="0" smtClean="0">
                 <a:latin typeface="Arial" panose="020B0604020202020204" pitchFamily="34" charset="0"/>
               </a:rPr>
               <a:t>9</a:t>
             </a:r>
             <a:r>
-              <a:rPr lang="en-US" sz="1200" dirty="0" smtClean="0">
-                <a:solidFill>
-                  <a:srgbClr val="000000"/>
-                </a:solidFill>
+              <a:rPr lang="en-US" sz="1000" b="1" dirty="0" smtClean="0">
                 <a:latin typeface="Arial" panose="020B0604020202020204" pitchFamily="34" charset="0"/>
               </a:rPr>
               <a:t>/L at time of bleeding event. </a:t>
             </a:r>
-            <a:endParaRPr lang="en-US" sz="1200" dirty="0">
-              <a:solidFill>
-                <a:srgbClr val="000000"/>
-              </a:solidFill>
+            <a:endParaRPr lang="en-US" sz="1000" b="1" dirty="0">
               <a:latin typeface="Arial" panose="020B0604020202020204" pitchFamily="34" charset="0"/>
             </a:endParaRPr>
           </a:p>
@@ -19707,7 +19631,7 @@
       </p:sp>
       <p:sp>
         <p:nvSpPr>
-          <p:cNvPr id="7" name="Text Box 4"/>
+          <p:cNvPr id="8" name="Text Box 4"/>
           <p:cNvSpPr txBox="1">
             <a:spLocks noChangeArrowheads="1"/>
           </p:cNvSpPr>
@@ -19986,7 +19910,7 @@
         </p:nvSpPr>
         <p:spPr>
           <a:xfrm>
-            <a:off x="266007" y="1497167"/>
+            <a:off x="266007" y="1192367"/>
             <a:ext cx="8678487" cy="4783791"/>
           </a:xfrm>
         </p:spPr>
@@ -19997,280 +19921,143 @@
           <a:lstStyle/>
           <a:p>
             <a:r>
-              <a:rPr lang="en-US" dirty="0" smtClean="0">
-                <a:solidFill>
-                  <a:srgbClr val="000000"/>
-                </a:solidFill>
-              </a:rPr>
+              <a:rPr lang="en-US" dirty="0" smtClean="0"/>
               <a:t>Ibrutinib is efficacious with a favorable </a:t>
             </a:r>
             <a:r>
-              <a:rPr lang="en-US" dirty="0">
-                <a:solidFill>
-                  <a:srgbClr val="000000"/>
-                </a:solidFill>
-              </a:rPr>
+              <a:rPr lang="en-US" dirty="0"/>
               <a:t>risk-benefit </a:t>
             </a:r>
             <a:r>
-              <a:rPr lang="en-US" dirty="0" smtClean="0">
-                <a:solidFill>
-                  <a:srgbClr val="000000"/>
-                </a:solidFill>
-              </a:rPr>
+              <a:rPr lang="en-US" dirty="0" smtClean="0"/>
               <a:t>profile in largest prospective study in del17p CLL/SLL </a:t>
             </a:r>
           </a:p>
           <a:p>
             <a:pPr lvl="1"/>
             <a:r>
-              <a:rPr lang="en-US" dirty="0" smtClean="0">
-                <a:solidFill>
-                  <a:srgbClr val="000000"/>
-                </a:solidFill>
-              </a:rPr>
+              <a:rPr lang="en-US" dirty="0" smtClean="0"/>
               <a:t>Best response (ORR including PR-L): 83%*</a:t>
             </a:r>
           </a:p>
           <a:p>
             <a:pPr lvl="1"/>
             <a:r>
-              <a:rPr lang="en-US" dirty="0" smtClean="0">
-                <a:solidFill>
-                  <a:srgbClr val="000000"/>
-                </a:solidFill>
-              </a:rPr>
+              <a:rPr lang="en-US" dirty="0" smtClean="0"/>
               <a:t>Median PFS and DOR: not reached at median </a:t>
             </a:r>
             <a:r>
-              <a:rPr lang="en-US" dirty="0">
-                <a:solidFill>
-                  <a:srgbClr val="000000"/>
-                </a:solidFill>
-              </a:rPr>
+              <a:rPr lang="en-US" dirty="0"/>
               <a:t>follow up </a:t>
             </a:r>
             <a:r>
-              <a:rPr lang="en-US" dirty="0" smtClean="0">
-                <a:solidFill>
-                  <a:srgbClr val="000000"/>
-                </a:solidFill>
-              </a:rPr>
+              <a:rPr lang="en-US" dirty="0" smtClean="0"/>
+              <a:t/>
+            </a:r>
+            <a:br>
+              <a:rPr lang="en-US" dirty="0" smtClean="0"/>
+            </a:br>
+            <a:r>
+              <a:rPr lang="en-US" dirty="0" smtClean="0"/>
               <a:t>11.5 months</a:t>
             </a:r>
           </a:p>
           <a:p>
             <a:pPr lvl="1"/>
             <a:r>
-              <a:rPr lang="en-US" dirty="0" smtClean="0">
-                <a:solidFill>
-                  <a:srgbClr val="000000"/>
-                </a:solidFill>
-              </a:rPr>
+              <a:rPr lang="en-US" dirty="0" smtClean="0"/>
               <a:t>12-month PFS: 79%, </a:t>
             </a:r>
             <a:r>
-              <a:rPr lang="en-US" dirty="0">
-                <a:solidFill>
-                  <a:srgbClr val="000000"/>
-                </a:solidFill>
-              </a:rPr>
+              <a:rPr lang="en-US" dirty="0"/>
               <a:t>consistent with </a:t>
             </a:r>
             <a:r>
-              <a:rPr lang="en-US" dirty="0" smtClean="0">
-                <a:solidFill>
-                  <a:srgbClr val="000000"/>
-                </a:solidFill>
-              </a:rPr>
+              <a:rPr lang="en-US" dirty="0" smtClean="0"/>
               <a:t>previously-observed efficacy</a:t>
             </a:r>
             <a:r>
-              <a:rPr lang="en-US" baseline="30000" dirty="0" smtClean="0">
-                <a:solidFill>
-                  <a:srgbClr val="000000"/>
-                </a:solidFill>
-              </a:rPr>
+              <a:rPr lang="en-US" baseline="30000" dirty="0" smtClean="0"/>
               <a:t>1</a:t>
             </a:r>
             <a:r>
-              <a:rPr lang="en-US" dirty="0" smtClean="0">
-                <a:solidFill>
-                  <a:srgbClr val="000000"/>
-                </a:solidFill>
-              </a:rPr>
+              <a:rPr lang="en-US" dirty="0" smtClean="0"/>
               <a:t> </a:t>
             </a:r>
           </a:p>
           <a:p>
             <a:r>
-              <a:rPr lang="en-US" dirty="0" smtClean="0">
-                <a:solidFill>
-                  <a:srgbClr val="000000"/>
-                </a:solidFill>
-              </a:rPr>
+              <a:rPr lang="en-US" dirty="0" smtClean="0"/>
               <a:t>PFS outcomes favorable compared to </a:t>
             </a:r>
             <a:r>
-              <a:rPr lang="en-US" dirty="0">
-                <a:solidFill>
-                  <a:srgbClr val="000000"/>
-                </a:solidFill>
-              </a:rPr>
+              <a:rPr lang="en-US" dirty="0"/>
               <a:t>that of </a:t>
             </a:r>
             <a:r>
-              <a:rPr lang="en-US" dirty="0" smtClean="0">
-                <a:solidFill>
-                  <a:srgbClr val="000000"/>
-                </a:solidFill>
-              </a:rPr>
+              <a:rPr lang="en-US" dirty="0" smtClean="0"/>
               <a:t>front-line del17p CLL treated with FCR or </a:t>
             </a:r>
             <a:r>
-              <a:rPr lang="en-US" dirty="0" err="1" smtClean="0">
-                <a:solidFill>
-                  <a:srgbClr val="000000"/>
-                </a:solidFill>
-              </a:rPr>
+              <a:rPr lang="en-US" dirty="0" err="1" smtClean="0"/>
               <a:t>alemtuzumab</a:t>
             </a:r>
             <a:r>
-              <a:rPr lang="en-US" dirty="0" smtClean="0">
-                <a:solidFill>
-                  <a:srgbClr val="000000"/>
-                </a:solidFill>
-              </a:rPr>
+              <a:rPr lang="en-US" dirty="0" smtClean="0"/>
               <a:t> (median PFS: 11 months)</a:t>
             </a:r>
             <a:r>
-              <a:rPr lang="en-US" baseline="30000" dirty="0" smtClean="0">
-                <a:solidFill>
-                  <a:srgbClr val="000000"/>
-                </a:solidFill>
-              </a:rPr>
+              <a:rPr lang="en-US" baseline="30000" dirty="0" smtClean="0"/>
               <a:t>2,3</a:t>
             </a:r>
             <a:r>
-              <a:rPr lang="en-US" dirty="0" smtClean="0">
-                <a:solidFill>
-                  <a:srgbClr val="000000"/>
-                </a:solidFill>
-              </a:rPr>
+              <a:rPr lang="en-US" dirty="0" smtClean="0"/>
               <a:t>  </a:t>
             </a:r>
           </a:p>
           <a:p>
             <a:r>
-              <a:rPr lang="en-US" dirty="0" smtClean="0">
-                <a:solidFill>
-                  <a:srgbClr val="000000"/>
-                </a:solidFill>
-              </a:rPr>
+              <a:rPr lang="en-US" dirty="0" smtClean="0"/>
               <a:t>Safety profile consistent </a:t>
             </a:r>
             <a:r>
-              <a:rPr lang="en-US" dirty="0">
-                <a:solidFill>
-                  <a:srgbClr val="000000"/>
-                </a:solidFill>
-              </a:rPr>
+              <a:rPr lang="en-US" dirty="0"/>
               <a:t>with </a:t>
             </a:r>
             <a:r>
-              <a:rPr lang="en-US" dirty="0" smtClean="0">
-                <a:solidFill>
-                  <a:srgbClr val="000000"/>
-                </a:solidFill>
-              </a:rPr>
+              <a:rPr lang="en-US" dirty="0" smtClean="0"/>
               <a:t>previous reports for ibrutinib</a:t>
             </a:r>
             <a:r>
-              <a:rPr lang="en-US" baseline="30000" dirty="0" smtClean="0">
-                <a:solidFill>
-                  <a:srgbClr val="000000"/>
-                </a:solidFill>
-              </a:rPr>
+              <a:rPr lang="en-US" baseline="30000" dirty="0" smtClean="0"/>
               <a:t>1</a:t>
             </a:r>
             <a:r>
-              <a:rPr lang="en-US" dirty="0" smtClean="0">
-                <a:solidFill>
-                  <a:srgbClr val="000000"/>
-                </a:solidFill>
-              </a:rPr>
+              <a:rPr lang="en-US" dirty="0" smtClean="0"/>
               <a:t> </a:t>
             </a:r>
           </a:p>
           <a:p>
             <a:r>
-              <a:rPr lang="en-US" dirty="0" smtClean="0">
-                <a:solidFill>
-                  <a:srgbClr val="000000"/>
-                </a:solidFill>
-              </a:rPr>
+              <a:rPr lang="en-US" dirty="0" smtClean="0"/>
               <a:t>Ibrutinib effective in </a:t>
             </a:r>
             <a:r>
-              <a:rPr lang="en-US" dirty="0">
-                <a:solidFill>
-                  <a:srgbClr val="000000"/>
-                </a:solidFill>
-              </a:rPr>
+              <a:rPr lang="en-US" dirty="0"/>
               <a:t>patients with </a:t>
             </a:r>
             <a:r>
-              <a:rPr lang="en-US" dirty="0" smtClean="0">
-                <a:solidFill>
-                  <a:srgbClr val="000000"/>
-                </a:solidFill>
-              </a:rPr>
+              <a:rPr lang="en-US" dirty="0" smtClean="0"/>
               <a:t>del17p </a:t>
             </a:r>
             <a:r>
-              <a:rPr lang="en-US" dirty="0">
-                <a:solidFill>
-                  <a:srgbClr val="000000"/>
-                </a:solidFill>
-              </a:rPr>
+              <a:rPr lang="en-US" dirty="0"/>
               <a:t>CLL/</a:t>
             </a:r>
             <a:r>
-              <a:rPr lang="en-US" dirty="0" smtClean="0">
-                <a:solidFill>
-                  <a:srgbClr val="000000"/>
-                </a:solidFill>
-              </a:rPr>
+              <a:rPr lang="en-US" dirty="0" smtClean="0"/>
               <a:t>SLL</a:t>
             </a:r>
-            <a:endParaRPr lang="en-US" dirty="0">
-              <a:solidFill>
-                <a:srgbClr val="000000"/>
-              </a:solidFill>
-            </a:endParaRPr>
-          </a:p>
-        </p:txBody>
-      </p:sp>
-      <p:sp>
-        <p:nvSpPr>
-          <p:cNvPr id="3" name="Slide Number Placeholder 2"/>
-          <p:cNvSpPr>
-            <a:spLocks noGrp="1"/>
-          </p:cNvSpPr>
-          <p:nvPr>
-            <p:ph type="sldNum" sz="quarter" idx="4"/>
-          </p:nvPr>
-        </p:nvSpPr>
-        <p:spPr/>
-        <p:txBody>
-          <a:bodyPr/>
-          <a:lstStyle/>
-          <a:p>
-            <a:fld id="{52DF0245-2CA1-6445-9E71-A40071F6548D}" type="slidenum">
-              <a:rPr lang="en-US" smtClean="0"/>
-              <a:pPr/>
-              <a:t>16</a:t>
-            </a:fld>
             <a:endParaRPr lang="en-US" dirty="0"/>
           </a:p>
         </p:txBody>
@@ -20287,7 +20074,7 @@
         </p:nvSpPr>
         <p:spPr>
           <a:xfrm>
-            <a:off x="384048" y="81888"/>
+            <a:off x="384048" y="5688"/>
             <a:ext cx="8045356" cy="1143000"/>
           </a:xfrm>
         </p:spPr>
@@ -20311,8 +20098,8 @@
         </p:nvSpPr>
         <p:spPr>
           <a:xfrm>
-            <a:off x="-14429" y="6404011"/>
-            <a:ext cx="8924576" cy="276999"/>
+            <a:off x="430213" y="5908711"/>
+            <a:ext cx="8924576" cy="400110"/>
           </a:xfrm>
           <a:prstGeom prst="rect">
             <a:avLst/>
@@ -20326,58 +20113,142 @@
           <a:lstStyle/>
           <a:p>
             <a:r>
-              <a:rPr lang="en-NZ" sz="1200" dirty="0">
-                <a:solidFill>
-                  <a:srgbClr val="000000"/>
-                </a:solidFill>
+              <a:rPr lang="en-NZ" sz="1000" b="1" dirty="0">
                 <a:latin typeface="Arial" panose="020B0604020202020204" pitchFamily="34" charset="0"/>
               </a:rPr>
               <a:t>1</a:t>
             </a:r>
             <a:r>
-              <a:rPr lang="en-NZ" sz="1200" dirty="0" smtClean="0">
-                <a:solidFill>
-                  <a:srgbClr val="000000"/>
-                </a:solidFill>
+              <a:rPr lang="en-NZ" sz="1000" b="1" dirty="0" smtClean="0">
                 <a:latin typeface="Arial" panose="020B0604020202020204" pitchFamily="34" charset="0"/>
               </a:rPr>
               <a:t>. </a:t>
             </a:r>
             <a:r>
-              <a:rPr lang="en-NZ" sz="1200" dirty="0">
-                <a:solidFill>
-                  <a:srgbClr val="000000"/>
-                </a:solidFill>
+              <a:rPr lang="en-NZ" sz="1000" b="1" dirty="0">
                 <a:latin typeface="Arial" panose="020B0604020202020204" pitchFamily="34" charset="0"/>
               </a:rPr>
-              <a:t>Byrd et al. NEJM. 2013;369:32-</a:t>
-            </a:r>
-            <a:r>
-              <a:rPr lang="en-NZ" sz="1200" dirty="0" smtClean="0">
-                <a:solidFill>
-                  <a:srgbClr val="000000"/>
-                </a:solidFill>
+              <a:t>Byrd </a:t>
+            </a:r>
+            <a:r>
+              <a:rPr lang="en-NZ" sz="1000" b="1" dirty="0" smtClean="0">
                 <a:latin typeface="Arial" panose="020B0604020202020204" pitchFamily="34" charset="0"/>
               </a:rPr>
-              <a:t>42; </a:t>
-            </a:r>
-            <a:r>
-              <a:rPr lang="en-NZ" sz="1200" dirty="0">
-                <a:solidFill>
-                  <a:srgbClr val="000000"/>
-                </a:solidFill>
+              <a:t>JC, et </a:t>
+            </a:r>
+            <a:r>
+              <a:rPr lang="en-NZ" sz="1000" b="1" dirty="0">
+                <a:latin typeface="Arial" panose="020B0604020202020204" pitchFamily="34" charset="0"/>
+              </a:rPr>
+              <a:t>al. </a:t>
+            </a:r>
+            <a:r>
+              <a:rPr lang="en-NZ" sz="1000" b="1" i="1" dirty="0" smtClean="0">
+                <a:latin typeface="Arial" panose="020B0604020202020204" pitchFamily="34" charset="0"/>
+              </a:rPr>
+              <a:t>N </a:t>
+            </a:r>
+            <a:r>
+              <a:rPr lang="en-NZ" sz="1000" b="1" i="1" dirty="0" err="1" smtClean="0">
+                <a:latin typeface="Arial" panose="020B0604020202020204" pitchFamily="34" charset="0"/>
+              </a:rPr>
+              <a:t>Engl</a:t>
+            </a:r>
+            <a:r>
+              <a:rPr lang="en-NZ" sz="1000" b="1" i="1" dirty="0" smtClean="0">
+                <a:latin typeface="Arial" panose="020B0604020202020204" pitchFamily="34" charset="0"/>
+              </a:rPr>
+              <a:t> J Med</a:t>
+            </a:r>
+            <a:r>
+              <a:rPr lang="en-NZ" sz="1000" b="1" dirty="0" smtClean="0">
+                <a:latin typeface="Arial" panose="020B0604020202020204" pitchFamily="34" charset="0"/>
+              </a:rPr>
+              <a:t>. 2013;369(1):32-42. </a:t>
+            </a:r>
+            <a:r>
+              <a:rPr lang="en-NZ" sz="1000" b="1" dirty="0">
                 <a:latin typeface="Arial" panose="020B0604020202020204" pitchFamily="34" charset="0"/>
               </a:rPr>
               <a:t>2</a:t>
             </a:r>
             <a:r>
-              <a:rPr lang="en-NZ" sz="1200" dirty="0" smtClean="0">
-                <a:solidFill>
-                  <a:srgbClr val="000000"/>
-                </a:solidFill>
+              <a:rPr lang="en-NZ" sz="1000" b="1" dirty="0" smtClean="0">
                 <a:latin typeface="Arial" panose="020B0604020202020204" pitchFamily="34" charset="0"/>
               </a:rPr>
-              <a:t>. Hallek et al. Lancet. 2010;376:1164-74; 3. Hillmen et al. J Clin Oncol. 2007;10:5616-23; </a:t>
+              <a:t>. </a:t>
+            </a:r>
+            <a:r>
+              <a:rPr lang="en-NZ" sz="1000" b="1" dirty="0" err="1" smtClean="0">
+                <a:latin typeface="Arial" panose="020B0604020202020204" pitchFamily="34" charset="0"/>
+              </a:rPr>
+              <a:t>Hallek</a:t>
+            </a:r>
+            <a:r>
+              <a:rPr lang="en-NZ" sz="1000" b="1" dirty="0" smtClean="0">
+                <a:latin typeface="Arial" panose="020B0604020202020204" pitchFamily="34" charset="0"/>
+              </a:rPr>
+              <a:t> </a:t>
+            </a:r>
+            <a:r>
+              <a:rPr lang="en-NZ" sz="1000" b="1" dirty="0">
+                <a:latin typeface="Arial" panose="020B0604020202020204" pitchFamily="34" charset="0"/>
+              </a:rPr>
+              <a:t> </a:t>
+            </a:r>
+            <a:r>
+              <a:rPr lang="en-NZ" sz="1000" b="1" dirty="0" smtClean="0">
+                <a:latin typeface="Arial" panose="020B0604020202020204" pitchFamily="34" charset="0"/>
+              </a:rPr>
+              <a:t>M, et al. </a:t>
+            </a:r>
+            <a:r>
+              <a:rPr lang="en-NZ" sz="1000" b="1" i="1" dirty="0" smtClean="0">
+                <a:latin typeface="Arial" panose="020B0604020202020204" pitchFamily="34" charset="0"/>
+              </a:rPr>
+              <a:t>Lancet</a:t>
+            </a:r>
+            <a:r>
+              <a:rPr lang="en-NZ" sz="1000" b="1" dirty="0" smtClean="0">
+                <a:latin typeface="Arial" panose="020B0604020202020204" pitchFamily="34" charset="0"/>
+              </a:rPr>
+              <a:t>. 2010;376(9747):1164-1174</a:t>
+            </a:r>
+            <a:r>
+              <a:rPr lang="en-NZ" sz="1000" b="1" dirty="0">
+                <a:latin typeface="Arial" panose="020B0604020202020204" pitchFamily="34" charset="0"/>
+              </a:rPr>
+              <a:t>.</a:t>
+            </a:r>
+            <a:r>
+              <a:rPr lang="en-NZ" sz="1000" b="1" dirty="0" smtClean="0">
+                <a:latin typeface="Arial" panose="020B0604020202020204" pitchFamily="34" charset="0"/>
+              </a:rPr>
+              <a:t> 3. </a:t>
+            </a:r>
+            <a:r>
+              <a:rPr lang="en-NZ" sz="1000" b="1" dirty="0" err="1" smtClean="0">
+                <a:latin typeface="Arial" panose="020B0604020202020204" pitchFamily="34" charset="0"/>
+              </a:rPr>
+              <a:t>Hillmen</a:t>
+            </a:r>
+            <a:r>
+              <a:rPr lang="en-NZ" sz="1000" b="1" dirty="0" smtClean="0">
+                <a:latin typeface="Arial" panose="020B0604020202020204" pitchFamily="34" charset="0"/>
+              </a:rPr>
+              <a:t> P, et al. </a:t>
+            </a:r>
+            <a:r>
+              <a:rPr lang="en-NZ" sz="1000" b="1" i="1" dirty="0" smtClean="0">
+                <a:latin typeface="Arial" panose="020B0604020202020204" pitchFamily="34" charset="0"/>
+              </a:rPr>
+              <a:t>J Clin Oncol.</a:t>
+            </a:r>
+            <a:r>
+              <a:rPr lang="en-NZ" sz="1000" b="1" dirty="0" smtClean="0">
+                <a:latin typeface="Arial" panose="020B0604020202020204" pitchFamily="34" charset="0"/>
+              </a:rPr>
+              <a:t> 2007;25(35):5616-5623; </a:t>
             </a:r>
           </a:p>
         </p:txBody>
@@ -20390,8 +20261,8 @@
         </p:nvSpPr>
         <p:spPr>
           <a:xfrm>
-            <a:off x="486419" y="6147038"/>
-            <a:ext cx="2802370" cy="276999"/>
+            <a:off x="455613" y="5740638"/>
+            <a:ext cx="2505814" cy="246221"/>
           </a:xfrm>
           <a:prstGeom prst="rect">
             <a:avLst/>
@@ -20405,18 +20276,12 @@
           <a:lstStyle/>
           <a:p>
             <a:r>
-              <a:rPr lang="en-US" sz="1200" dirty="0" smtClean="0">
-                <a:solidFill>
-                  <a:srgbClr val="000000"/>
-                </a:solidFill>
+              <a:rPr lang="en-US" sz="1000" b="1" dirty="0" smtClean="0">
                 <a:latin typeface="Arial" panose="020B0604020202020204" pitchFamily="34" charset="0"/>
               </a:rPr>
               <a:t>*Based on investigator-assessed ORR</a:t>
             </a:r>
-            <a:endParaRPr lang="en-US" sz="1200" dirty="0">
-              <a:solidFill>
-                <a:srgbClr val="000000"/>
-              </a:solidFill>
+            <a:endParaRPr lang="en-US" sz="1000" b="1" dirty="0">
               <a:latin typeface="Arial" panose="020B0604020202020204" pitchFamily="34" charset="0"/>
             </a:endParaRPr>
           </a:p>
@@ -20424,7 +20289,7 @@
       </p:sp>
       <p:sp>
         <p:nvSpPr>
-          <p:cNvPr id="7" name="Text Box 4"/>
+          <p:cNvPr id="8" name="Text Box 4"/>
           <p:cNvSpPr txBox="1">
             <a:spLocks noChangeArrowheads="1"/>
           </p:cNvSpPr>
